--- a/docs/menu.pptx
+++ b/docs/menu.pptx
@@ -288,7 +288,7 @@
           <a:p>
             <a:fld id="{6C93CC85-9613-4C9B-B8C3-46599B392677}" type="datetimeFigureOut">
               <a:rPr lang="en-US" smtClean="0"/>
-              <a:t>3/8/2016</a:t>
+              <a:t>3/23/2016</a:t>
             </a:fld>
             <a:endParaRPr lang="en-US"/>
           </a:p>
@@ -458,7 +458,7 @@
           <a:p>
             <a:fld id="{6C93CC85-9613-4C9B-B8C3-46599B392677}" type="datetimeFigureOut">
               <a:rPr lang="en-US" smtClean="0"/>
-              <a:t>3/8/2016</a:t>
+              <a:t>3/23/2016</a:t>
             </a:fld>
             <a:endParaRPr lang="en-US"/>
           </a:p>
@@ -638,7 +638,7 @@
           <a:p>
             <a:fld id="{6C93CC85-9613-4C9B-B8C3-46599B392677}" type="datetimeFigureOut">
               <a:rPr lang="en-US" smtClean="0"/>
-              <a:t>3/8/2016</a:t>
+              <a:t>3/23/2016</a:t>
             </a:fld>
             <a:endParaRPr lang="en-US"/>
           </a:p>
@@ -808,7 +808,7 @@
           <a:p>
             <a:fld id="{6C93CC85-9613-4C9B-B8C3-46599B392677}" type="datetimeFigureOut">
               <a:rPr lang="en-US" smtClean="0"/>
-              <a:t>3/8/2016</a:t>
+              <a:t>3/23/2016</a:t>
             </a:fld>
             <a:endParaRPr lang="en-US"/>
           </a:p>
@@ -1054,7 +1054,7 @@
           <a:p>
             <a:fld id="{6C93CC85-9613-4C9B-B8C3-46599B392677}" type="datetimeFigureOut">
               <a:rPr lang="en-US" smtClean="0"/>
-              <a:t>3/8/2016</a:t>
+              <a:t>3/23/2016</a:t>
             </a:fld>
             <a:endParaRPr lang="en-US"/>
           </a:p>
@@ -1342,7 +1342,7 @@
           <a:p>
             <a:fld id="{6C93CC85-9613-4C9B-B8C3-46599B392677}" type="datetimeFigureOut">
               <a:rPr lang="en-US" smtClean="0"/>
-              <a:t>3/8/2016</a:t>
+              <a:t>3/23/2016</a:t>
             </a:fld>
             <a:endParaRPr lang="en-US"/>
           </a:p>
@@ -1764,7 +1764,7 @@
           <a:p>
             <a:fld id="{6C93CC85-9613-4C9B-B8C3-46599B392677}" type="datetimeFigureOut">
               <a:rPr lang="en-US" smtClean="0"/>
-              <a:t>3/8/2016</a:t>
+              <a:t>3/23/2016</a:t>
             </a:fld>
             <a:endParaRPr lang="en-US"/>
           </a:p>
@@ -1882,7 +1882,7 @@
           <a:p>
             <a:fld id="{6C93CC85-9613-4C9B-B8C3-46599B392677}" type="datetimeFigureOut">
               <a:rPr lang="en-US" smtClean="0"/>
-              <a:t>3/8/2016</a:t>
+              <a:t>3/23/2016</a:t>
             </a:fld>
             <a:endParaRPr lang="en-US"/>
           </a:p>
@@ -1977,7 +1977,7 @@
           <a:p>
             <a:fld id="{6C93CC85-9613-4C9B-B8C3-46599B392677}" type="datetimeFigureOut">
               <a:rPr lang="en-US" smtClean="0"/>
-              <a:t>3/8/2016</a:t>
+              <a:t>3/23/2016</a:t>
             </a:fld>
             <a:endParaRPr lang="en-US"/>
           </a:p>
@@ -2254,7 +2254,7 @@
           <a:p>
             <a:fld id="{6C93CC85-9613-4C9B-B8C3-46599B392677}" type="datetimeFigureOut">
               <a:rPr lang="en-US" smtClean="0"/>
-              <a:t>3/8/2016</a:t>
+              <a:t>3/23/2016</a:t>
             </a:fld>
             <a:endParaRPr lang="en-US"/>
           </a:p>
@@ -2507,7 +2507,7 @@
           <a:p>
             <a:fld id="{6C93CC85-9613-4C9B-B8C3-46599B392677}" type="datetimeFigureOut">
               <a:rPr lang="en-US" smtClean="0"/>
-              <a:t>3/8/2016</a:t>
+              <a:t>3/23/2016</a:t>
             </a:fld>
             <a:endParaRPr lang="en-US"/>
           </a:p>
@@ -2720,7 +2720,7 @@
           <a:p>
             <a:fld id="{6C93CC85-9613-4C9B-B8C3-46599B392677}" type="datetimeFigureOut">
               <a:rPr lang="en-US" smtClean="0"/>
-              <a:t>3/8/2016</a:t>
+              <a:t>3/23/2016</a:t>
             </a:fld>
             <a:endParaRPr lang="en-US"/>
           </a:p>
@@ -3153,7 +3153,7 @@
         <p:spPr>
           <a:xfrm>
             <a:off x="179512" y="116632"/>
-            <a:ext cx="4392488" cy="2848962"/>
+            <a:ext cx="4032448" cy="3331681"/>
           </a:xfrm>
           <a:prstGeom prst="rect">
             <a:avLst/>
@@ -3200,8 +3200,8 @@
         </p:nvSpPr>
         <p:spPr>
           <a:xfrm>
-            <a:off x="4644008" y="116632"/>
-            <a:ext cx="4392488" cy="6552728"/>
+            <a:off x="4499992" y="116632"/>
+            <a:ext cx="4536504" cy="3331681"/>
           </a:xfrm>
           <a:prstGeom prst="rect">
             <a:avLst/>
@@ -3248,8 +3248,8 @@
         </p:nvSpPr>
         <p:spPr>
           <a:xfrm>
-            <a:off x="179512" y="75982"/>
-            <a:ext cx="4680520" cy="2677656"/>
+            <a:off x="173939" y="116632"/>
+            <a:ext cx="3966013" cy="3393237"/>
           </a:xfrm>
           <a:prstGeom prst="rect">
             <a:avLst/>
@@ -3267,15 +3267,16 @@
               <a:rPr lang="en-US" sz="2400" b="1" dirty="0" smtClean="0"/>
               <a:t>APPETIZERS</a:t>
             </a:r>
-          </a:p>
-          <a:p>
-            <a:r>
-              <a:rPr lang="en-US" b="1" dirty="0" smtClean="0"/>
-              <a:t>Bare </a:t>
-            </a:r>
-            <a:r>
-              <a:rPr lang="en-US" dirty="0" smtClean="0"/>
-              <a:t>…………………………………………………………$2</a:t>
+            <a:endParaRPr lang="en-US" sz="1000" b="1" dirty="0" smtClean="0"/>
+          </a:p>
+          <a:p>
+            <a:r>
+              <a:rPr lang="en-US" sz="1600" b="1" dirty="0" smtClean="0"/>
+              <a:t>Bare Boards </a:t>
+            </a:r>
+            <a:r>
+              <a:rPr lang="en-US" sz="1600" dirty="0" smtClean="0"/>
+              <a:t>………………………………………….... $2</a:t>
             </a:r>
             <a:r>
               <a:rPr lang="en-US" b="1" dirty="0" smtClean="0"/>
@@ -3285,49 +3286,102 @@
               <a:rPr lang="en-US" b="1" dirty="0" smtClean="0"/>
             </a:br>
             <a:r>
+              <a:rPr lang="en-US" sz="1400" dirty="0" smtClean="0"/>
+              <a:t>PCB only, SALSA / QUESO / ONION, no components</a:t>
+            </a:r>
+          </a:p>
+          <a:p>
+            <a:endParaRPr lang="en-US" sz="1000" dirty="0"/>
+          </a:p>
+          <a:p>
+            <a:r>
+              <a:rPr lang="en-US" sz="1600" b="1" dirty="0" smtClean="0"/>
+              <a:t>SALSA PWM Component Kit</a:t>
+            </a:r>
+            <a:r>
               <a:rPr lang="en-US" sz="1600" dirty="0" smtClean="0"/>
-              <a:t>board only, no components</a:t>
-            </a:r>
-            <a:endParaRPr lang="en-US" dirty="0" smtClean="0"/>
-          </a:p>
-          <a:p>
-            <a:endParaRPr lang="en-US" dirty="0"/>
-          </a:p>
-          <a:p>
-            <a:r>
-              <a:rPr lang="en-US" b="1" dirty="0" smtClean="0"/>
-              <a:t>PWM Component Kit</a:t>
-            </a:r>
-            <a:r>
-              <a:rPr lang="en-US" dirty="0" smtClean="0"/>
-              <a:t> …....………………………. $9</a:t>
-            </a:r>
-          </a:p>
-          <a:p>
+              <a:t> …….…………….  $9</a:t>
+            </a:r>
+          </a:p>
+          <a:p>
+            <a:r>
+              <a:rPr lang="en-US" sz="1400" dirty="0" smtClean="0"/>
+              <a:t>Atmega + Mosfet + other small components</a:t>
+            </a:r>
+          </a:p>
+          <a:p>
+            <a:endParaRPr lang="en-US" sz="1000" dirty="0" smtClean="0"/>
+          </a:p>
+          <a:p>
+            <a:r>
+              <a:rPr lang="en-US" sz="1600" b="1" dirty="0" smtClean="0"/>
+              <a:t>SALSA Motor Component Kit</a:t>
+            </a:r>
             <a:r>
               <a:rPr lang="en-US" sz="1600" dirty="0" smtClean="0"/>
-              <a:t>Atmega + Mosfet + other small components)</a:t>
-            </a:r>
-          </a:p>
-          <a:p>
-            <a:endParaRPr lang="en-US" dirty="0" smtClean="0"/>
-          </a:p>
-          <a:p>
-            <a:r>
-              <a:rPr lang="en-US" b="1" dirty="0" smtClean="0"/>
-              <a:t>Motor Component Kit</a:t>
-            </a:r>
-            <a:r>
-              <a:rPr lang="en-US" dirty="0" smtClean="0"/>
-              <a:t> …....…………………….. $11</a:t>
-            </a:r>
-          </a:p>
-          <a:p>
+              <a:t> …...…..……..  $11</a:t>
+            </a:r>
+          </a:p>
+          <a:p>
+            <a:r>
+              <a:rPr lang="en-US" sz="1400" dirty="0" smtClean="0"/>
+              <a:t>Atmega + Mosfet + other small components</a:t>
+            </a:r>
+            <a:endParaRPr lang="en-US" sz="1400" dirty="0"/>
+          </a:p>
+          <a:p>
+            <a:endParaRPr lang="en-US" sz="1000" dirty="0" smtClean="0"/>
+          </a:p>
+          <a:p>
+            <a:r>
+              <a:rPr lang="en-US" sz="1600" b="1" dirty="0" smtClean="0"/>
+              <a:t>QUESO hub components  </a:t>
+            </a:r>
             <a:r>
               <a:rPr lang="en-US" sz="1600" dirty="0" smtClean="0"/>
-              <a:t>Atmega + Mosfet + other small components)</a:t>
-            </a:r>
-            <a:endParaRPr lang="en-US" sz="1600" dirty="0"/>
+              <a:t>……………………… $10</a:t>
+            </a:r>
+            <a:r>
+              <a:rPr lang="en-US" sz="1400" b="1" dirty="0"/>
+              <a:t/>
+            </a:r>
+            <a:br>
+              <a:rPr lang="en-US" sz="1400" b="1" dirty="0"/>
+            </a:br>
+            <a:r>
+              <a:rPr lang="en-US" sz="1400" dirty="0" smtClean="0"/>
+              <a:t>IC, USB Jacks, ESD, Fuses, Caps, LEDs, etc.</a:t>
+            </a:r>
+            <a:endParaRPr lang="en-US" sz="1400" dirty="0"/>
+          </a:p>
+          <a:p>
+            <a:endParaRPr lang="en-US" sz="1050" dirty="0"/>
+          </a:p>
+          <a:p>
+            <a:r>
+              <a:rPr lang="en-US" sz="1600" b="1" dirty="0" smtClean="0"/>
+              <a:t>ONION tinker </a:t>
+            </a:r>
+            <a:r>
+              <a:rPr lang="en-US" sz="1600" b="1" dirty="0"/>
+              <a:t>components  </a:t>
+            </a:r>
+            <a:r>
+              <a:rPr lang="en-US" sz="1600" dirty="0" smtClean="0"/>
+              <a:t>…………….….….. $3</a:t>
+            </a:r>
+            <a:r>
+              <a:rPr lang="en-US" sz="1600" b="1" dirty="0"/>
+              <a:t/>
+            </a:r>
+            <a:br>
+              <a:rPr lang="en-US" sz="1600" b="1" dirty="0"/>
+            </a:br>
+            <a:r>
+              <a:rPr lang="en-US" sz="1400" dirty="0" smtClean="0"/>
+              <a:t>LEDs, MOS-FET, Relay</a:t>
+            </a:r>
+            <a:endParaRPr lang="en-US" sz="1400" dirty="0"/>
           </a:p>
         </p:txBody>
       </p:sp>
@@ -3339,8 +3393,8 @@
         </p:nvSpPr>
         <p:spPr>
           <a:xfrm>
-            <a:off x="4716016" y="116632"/>
-            <a:ext cx="4427984" cy="6401753"/>
+            <a:off x="4499992" y="116632"/>
+            <a:ext cx="4644008" cy="2985433"/>
           </a:xfrm>
           <a:prstGeom prst="rect">
             <a:avLst/>
@@ -3356,16 +3410,17 @@
             <a:pPr algn="ctr"/>
             <a:r>
               <a:rPr lang="en-US" sz="2400" b="1" dirty="0" smtClean="0"/>
-              <a:t>MAIN ENTRESS</a:t>
-            </a:r>
-          </a:p>
-          <a:p>
-            <a:r>
-              <a:rPr lang="en-US" b="1" dirty="0" smtClean="0"/>
+              <a:t>MAINS</a:t>
+            </a:r>
+            <a:endParaRPr lang="en-US" sz="1000" b="1" dirty="0" smtClean="0"/>
+          </a:p>
+          <a:p>
+            <a:r>
+              <a:rPr lang="en-US" sz="1600" b="1" dirty="0" smtClean="0"/>
               <a:t>Salsa II PWM</a:t>
             </a:r>
             <a:r>
-              <a:rPr lang="en-US" dirty="0" smtClean="0"/>
+              <a:rPr lang="en-US" sz="1600" dirty="0" smtClean="0"/>
               <a:t>…………………………………...…… $14</a:t>
             </a:r>
             <a:r>
@@ -3376,76 +3431,420 @@
               <a:rPr lang="en-US" b="1" dirty="0" smtClean="0"/>
             </a:br>
             <a:r>
+              <a:rPr lang="en-US" sz="1400" dirty="0" smtClean="0"/>
+              <a:t>SMD soldered board, with non-stack headers</a:t>
+            </a:r>
+          </a:p>
+          <a:p>
+            <a:endParaRPr lang="en-US" sz="1000" dirty="0" smtClean="0"/>
+          </a:p>
+          <a:p>
+            <a:r>
+              <a:rPr lang="en-US" sz="1600" b="1" dirty="0"/>
+              <a:t>Salsa II Motor</a:t>
+            </a:r>
+            <a:r>
+              <a:rPr lang="en-US" sz="1600" dirty="0"/>
+              <a:t> …....……...………….……………. $16</a:t>
+            </a:r>
+          </a:p>
+          <a:p>
+            <a:r>
+              <a:rPr lang="en-US" sz="1400" dirty="0"/>
+              <a:t>SMD soldered board, with non-stack </a:t>
+            </a:r>
+            <a:r>
+              <a:rPr lang="en-US" sz="1400" dirty="0" smtClean="0"/>
+              <a:t>headers</a:t>
+            </a:r>
+          </a:p>
+          <a:p>
+            <a:endParaRPr lang="en-US" sz="1000" dirty="0"/>
+          </a:p>
+          <a:p>
+            <a:r>
+              <a:rPr lang="en-US" sz="1600" b="1" dirty="0" smtClean="0"/>
+              <a:t>QUESO </a:t>
+            </a:r>
+            <a:r>
               <a:rPr lang="en-US" sz="1600" dirty="0" smtClean="0"/>
-              <a:t>SMD soldered board, without Headers</a:t>
-            </a:r>
-            <a:endParaRPr lang="en-US" dirty="0" smtClean="0"/>
+              <a:t>…………….……………………………...…… </a:t>
+            </a:r>
+            <a:r>
+              <a:rPr lang="en-US" sz="1600" dirty="0"/>
+              <a:t>$</a:t>
+            </a:r>
+            <a:r>
+              <a:rPr lang="en-US" sz="1600" dirty="0" smtClean="0"/>
+              <a:t>17</a:t>
+            </a:r>
+            <a:r>
+              <a:rPr lang="en-US" sz="1600" b="1" dirty="0"/>
+              <a:t/>
+            </a:r>
+            <a:br>
+              <a:rPr lang="en-US" sz="1600" b="1" dirty="0"/>
+            </a:br>
+            <a:r>
+              <a:rPr lang="en-US" sz="1400" dirty="0"/>
+              <a:t>SMD soldered board, without </a:t>
+            </a:r>
+            <a:r>
+              <a:rPr lang="en-US" sz="1400" dirty="0" smtClean="0"/>
+              <a:t>DC-DC regulator </a:t>
+            </a:r>
+            <a:br>
+              <a:rPr lang="en-US" sz="1400" dirty="0" smtClean="0"/>
+            </a:br>
+            <a:r>
+              <a:rPr lang="en-US" sz="1400" dirty="0" smtClean="0"/>
+              <a:t>(</a:t>
+            </a:r>
+            <a:r>
+              <a:rPr lang="en-US" sz="1400" b="1" dirty="0" smtClean="0"/>
+              <a:t>highly recommended</a:t>
+            </a:r>
+            <a:r>
+              <a:rPr lang="en-US" sz="1400" dirty="0" smtClean="0"/>
+              <a:t>), with non-stack headers</a:t>
+            </a:r>
+            <a:endParaRPr lang="en-US" sz="1400" dirty="0"/>
+          </a:p>
+          <a:p>
+            <a:endParaRPr lang="en-US" sz="1000" dirty="0"/>
+          </a:p>
+          <a:p>
+            <a:r>
+              <a:rPr lang="en-US" sz="1600" b="1" dirty="0" smtClean="0"/>
+              <a:t>ONION</a:t>
+            </a:r>
+            <a:r>
+              <a:rPr lang="en-US" sz="1600" dirty="0" smtClean="0"/>
+              <a:t> …....……...…………………….……..………. $7</a:t>
+            </a:r>
+            <a:endParaRPr lang="en-US" sz="1600" dirty="0"/>
+          </a:p>
+          <a:p>
+            <a:r>
+              <a:rPr lang="en-US" sz="1400" dirty="0" smtClean="0"/>
+              <a:t>SMD </a:t>
+            </a:r>
+            <a:r>
+              <a:rPr lang="en-US" sz="1400" dirty="0"/>
+              <a:t>soldered board, </a:t>
+            </a:r>
+            <a:r>
+              <a:rPr lang="en-US" sz="1400" dirty="0" smtClean="0"/>
+              <a:t>with non-stack headers</a:t>
+            </a:r>
+            <a:endParaRPr lang="en-US" sz="1400" dirty="0"/>
+          </a:p>
+        </p:txBody>
+      </p:sp>
+      <p:sp>
+        <p:nvSpPr>
+          <p:cNvPr id="11" name="Rectangle 10"/>
+          <p:cNvSpPr/>
+          <p:nvPr/>
+        </p:nvSpPr>
+        <p:spPr>
+          <a:xfrm>
+            <a:off x="160136" y="3645024"/>
+            <a:ext cx="8876360" cy="3029714"/>
+          </a:xfrm>
+          <a:prstGeom prst="rect">
+            <a:avLst/>
+          </a:prstGeom>
+          <a:solidFill>
+            <a:schemeClr val="bg1">
+              <a:alpha val="50000"/>
+            </a:schemeClr>
+          </a:solidFill>
+          <a:ln>
+            <a:noFill/>
+          </a:ln>
+        </p:spPr>
+        <p:style>
+          <a:lnRef idx="2">
+            <a:schemeClr val="accent1">
+              <a:shade val="50000"/>
+            </a:schemeClr>
+          </a:lnRef>
+          <a:fillRef idx="1">
+            <a:schemeClr val="accent1"/>
+          </a:fillRef>
+          <a:effectRef idx="0">
+            <a:schemeClr val="accent1"/>
+          </a:effectRef>
+          <a:fontRef idx="minor">
+            <a:schemeClr val="lt1"/>
+          </a:fontRef>
+        </p:style>
+        <p:txBody>
+          <a:bodyPr rtlCol="0" anchor="ctr"/>
+          <a:lstStyle/>
+          <a:p>
+            <a:pPr algn="ctr"/>
+            <a:endParaRPr lang="en-US"/>
+          </a:p>
+        </p:txBody>
+      </p:sp>
+      <p:sp>
+        <p:nvSpPr>
+          <p:cNvPr id="5" name="TextBox 4"/>
+          <p:cNvSpPr txBox="1"/>
+          <p:nvPr/>
+        </p:nvSpPr>
+        <p:spPr>
+          <a:xfrm>
+            <a:off x="179512" y="3605183"/>
+            <a:ext cx="8856984" cy="3477875"/>
+          </a:xfrm>
+          <a:prstGeom prst="rect">
+            <a:avLst/>
+          </a:prstGeom>
+          <a:noFill/>
+        </p:spPr>
+        <p:txBody>
+          <a:bodyPr wrap="square" numCol="2" rtlCol="0">
+            <a:spAutoFit/>
+          </a:bodyPr>
+          <a:lstStyle/>
+          <a:p>
+            <a:pPr algn="r"/>
+            <a:r>
+              <a:rPr lang="en-US" sz="2400" b="1" dirty="0"/>
+              <a:t>DESERT</a:t>
+            </a:r>
+          </a:p>
+          <a:p>
+            <a:endParaRPr lang="en-US" sz="1600" b="1" dirty="0" smtClean="0"/>
+          </a:p>
+          <a:p>
+            <a:r>
+              <a:rPr lang="en-US" sz="1600" b="1" dirty="0" smtClean="0"/>
+              <a:t>Stackable </a:t>
+            </a:r>
+            <a:r>
+              <a:rPr lang="en-US" sz="1600" b="1" dirty="0"/>
+              <a:t>Header </a:t>
+            </a:r>
+            <a:r>
+              <a:rPr lang="en-US" sz="1600" dirty="0" smtClean="0"/>
+              <a:t>……………………………..….. </a:t>
+            </a:r>
+            <a:r>
+              <a:rPr lang="en-US" sz="1600" dirty="0"/>
+              <a:t>$3</a:t>
+            </a:r>
+          </a:p>
+          <a:p>
+            <a:r>
+              <a:rPr lang="en-US" sz="1400" dirty="0" smtClean="0"/>
+              <a:t>Replacement for both headers, </a:t>
+            </a:r>
+            <a:r>
+              <a:rPr lang="en-US" sz="1400" dirty="0"/>
+              <a:t>soldered </a:t>
+            </a:r>
+            <a:r>
+              <a:rPr lang="en-US" sz="1400" dirty="0" smtClean="0"/>
+              <a:t>on </a:t>
+            </a:r>
+            <a:r>
+              <a:rPr lang="en-US" sz="1400" dirty="0"/>
+              <a:t>request</a:t>
+            </a:r>
           </a:p>
           <a:p>
             <a:endParaRPr lang="en-US" dirty="0"/>
           </a:p>
           <a:p>
             <a:r>
-              <a:rPr lang="en-US" b="1" dirty="0" smtClean="0"/>
-              <a:t>Salsa II Motor</a:t>
-            </a:r>
-            <a:r>
-              <a:rPr lang="en-US" dirty="0" smtClean="0"/>
-              <a:t> …....……...………….……………. $16</a:t>
-            </a:r>
-          </a:p>
-          <a:p>
+              <a:rPr lang="en-US" sz="1600" b="1" dirty="0" smtClean="0"/>
+              <a:t>Salsa II  </a:t>
+            </a:r>
+            <a:r>
+              <a:rPr lang="en-US" sz="1600" b="1" dirty="0"/>
+              <a:t>Screw Terminals</a:t>
+            </a:r>
+            <a:r>
+              <a:rPr lang="en-US" sz="1600" dirty="0"/>
+              <a:t> </a:t>
+            </a:r>
             <a:r>
               <a:rPr lang="en-US" sz="1600" dirty="0" smtClean="0"/>
-              <a:t>SMD soldered board, without Headers</a:t>
-            </a:r>
-          </a:p>
-          <a:p>
-            <a:endParaRPr lang="en-US" sz="1600" dirty="0" smtClean="0"/>
-          </a:p>
-          <a:p>
-            <a:pPr algn="ctr"/>
-            <a:r>
-              <a:rPr lang="en-US" sz="2400" b="1" dirty="0" smtClean="0"/>
-              <a:t>DESERT</a:t>
-            </a:r>
-          </a:p>
-          <a:p>
-            <a:endParaRPr lang="en-US" dirty="0" smtClean="0"/>
-          </a:p>
-          <a:p>
-            <a:r>
-              <a:rPr lang="en-US" b="1" dirty="0" smtClean="0"/>
-              <a:t>Stackable Header </a:t>
-            </a:r>
-            <a:r>
-              <a:rPr lang="en-US" dirty="0" smtClean="0"/>
-              <a:t>………………………………….. $3</a:t>
-            </a:r>
-          </a:p>
-          <a:p>
+              <a:t>……..…….…………  </a:t>
+            </a:r>
+            <a:r>
+              <a:rPr lang="en-US" sz="1600" dirty="0"/>
+              <a:t>$2</a:t>
+            </a:r>
+          </a:p>
+          <a:p>
+            <a:r>
+              <a:rPr lang="en-US" sz="1400" dirty="0"/>
+              <a:t>6 </a:t>
+            </a:r>
+            <a:r>
+              <a:rPr lang="en-US" sz="1400" dirty="0" smtClean="0"/>
+              <a:t>top + </a:t>
+            </a:r>
+            <a:r>
+              <a:rPr lang="en-US" sz="1400" dirty="0"/>
+              <a:t>6 </a:t>
+            </a:r>
+            <a:r>
+              <a:rPr lang="en-US" sz="1400" dirty="0" smtClean="0"/>
+              <a:t>bottom pins,  </a:t>
+            </a:r>
+            <a:r>
+              <a:rPr lang="en-US" sz="1400" dirty="0"/>
+              <a:t>soldered to Board  on request</a:t>
+            </a:r>
+          </a:p>
+          <a:p>
+            <a:endParaRPr lang="en-US" dirty="0"/>
+          </a:p>
+          <a:p>
+            <a:r>
+              <a:rPr lang="en-US" sz="1600" b="1" dirty="0" smtClean="0"/>
+              <a:t>3A 5V DC-DC regulator </a:t>
+            </a:r>
             <a:r>
               <a:rPr lang="en-US" sz="1600" dirty="0" smtClean="0"/>
-              <a:t>both sides, soldered to Board  on request</a:t>
-            </a:r>
-          </a:p>
-          <a:p>
-            <a:endParaRPr lang="en-US" dirty="0" smtClean="0"/>
-          </a:p>
-          <a:p>
-            <a:r>
-              <a:rPr lang="en-US" b="1" dirty="0" smtClean="0"/>
-              <a:t>Screw Terminals</a:t>
-            </a:r>
-            <a:r>
-              <a:rPr lang="en-US" dirty="0" smtClean="0"/>
-              <a:t> ……………………………………  $2</a:t>
-            </a:r>
-          </a:p>
-          <a:p>
+              <a:t>……….…………………  </a:t>
+            </a:r>
+            <a:r>
+              <a:rPr lang="en-US" sz="1600" dirty="0"/>
+              <a:t>$3</a:t>
+            </a:r>
+          </a:p>
+          <a:p>
+            <a:r>
+              <a:rPr lang="en-US" sz="1400" dirty="0"/>
+              <a:t>Powers CHIP and </a:t>
+            </a:r>
+            <a:r>
+              <a:rPr lang="en-US" sz="1400" dirty="0" smtClean="0"/>
+              <a:t>the DIP </a:t>
+            </a:r>
+            <a:r>
+              <a:rPr lang="en-US" sz="1400" dirty="0"/>
+              <a:t>from </a:t>
+            </a:r>
+            <a:r>
+              <a:rPr lang="en-US" sz="1400" dirty="0" smtClean="0"/>
+              <a:t>any 7V </a:t>
+            </a:r>
+            <a:r>
+              <a:rPr lang="en-US" sz="1400" dirty="0"/>
+              <a:t>to 28V </a:t>
+            </a:r>
+            <a:r>
+              <a:rPr lang="en-US" sz="1400" dirty="0" smtClean="0"/>
+              <a:t>DC power supply , </a:t>
+            </a:r>
+            <a:r>
+              <a:rPr lang="en-US" sz="1400" dirty="0"/>
+              <a:t>SALSA can </a:t>
+            </a:r>
+            <a:r>
+              <a:rPr lang="en-US" sz="1400" dirty="0" smtClean="0"/>
+              <a:t>carry </a:t>
+            </a:r>
+            <a:r>
+              <a:rPr lang="en-US" sz="1400" dirty="0"/>
+              <a:t>one, </a:t>
+            </a:r>
+            <a:r>
+              <a:rPr lang="en-US" sz="1400" dirty="0" smtClean="0"/>
+              <a:t>QUESO </a:t>
+            </a:r>
+            <a:r>
+              <a:rPr lang="en-US" sz="1400" dirty="0"/>
+              <a:t>up to </a:t>
+            </a:r>
+            <a:r>
+              <a:rPr lang="en-US" sz="1400" dirty="0" smtClean="0"/>
+              <a:t>two</a:t>
+            </a:r>
+          </a:p>
+          <a:p>
+            <a:endParaRPr lang="en-US" sz="1400" dirty="0"/>
+          </a:p>
+          <a:p>
+            <a:endParaRPr lang="en-US" sz="1400" dirty="0" smtClean="0"/>
+          </a:p>
+          <a:p>
+            <a:endParaRPr lang="en-US" sz="1400" dirty="0"/>
+          </a:p>
+          <a:p>
+            <a:endParaRPr lang="en-US" sz="1600" b="1" dirty="0" smtClean="0"/>
+          </a:p>
+          <a:p>
+            <a:endParaRPr lang="en-US" sz="1600" b="1" dirty="0"/>
+          </a:p>
+          <a:p>
+            <a:r>
+              <a:rPr lang="en-US" sz="1600" b="1" dirty="0" smtClean="0"/>
+              <a:t>Pick </a:t>
+            </a:r>
+            <a:r>
+              <a:rPr lang="en-US" sz="1600" b="1" dirty="0"/>
+              <a:t>up </a:t>
+            </a:r>
             <a:r>
               <a:rPr lang="en-US" sz="1600" dirty="0" smtClean="0"/>
-              <a:t>6 top, 6 bottom,  soldered to Board  on request</a:t>
+              <a:t>……….…………………………………...…. </a:t>
+            </a:r>
+            <a:r>
+              <a:rPr lang="en-US" sz="1600" dirty="0"/>
+              <a:t>$0</a:t>
+            </a:r>
+          </a:p>
+          <a:p>
+            <a:r>
+              <a:rPr lang="en-US" sz="1400" dirty="0" smtClean="0"/>
+              <a:t>Houston</a:t>
+            </a:r>
+            <a:r>
+              <a:rPr lang="en-US" sz="1400" dirty="0"/>
+              <a:t>, </a:t>
+            </a:r>
+            <a:r>
+              <a:rPr lang="en-US" sz="1400" dirty="0" smtClean="0"/>
+              <a:t>TX </a:t>
+            </a:r>
+            <a:r>
+              <a:rPr lang="en-US" sz="1400" dirty="0"/>
+              <a:t>until 1</a:t>
+            </a:r>
+            <a:r>
+              <a:rPr lang="en-US" sz="1400" baseline="30000" dirty="0"/>
+              <a:t>st</a:t>
+            </a:r>
+            <a:r>
+              <a:rPr lang="en-US" sz="1400" dirty="0"/>
+              <a:t> May </a:t>
+            </a:r>
+            <a:r>
+              <a:rPr lang="en-US" sz="1400" dirty="0" smtClean="0"/>
+              <a:t>2016</a:t>
+            </a:r>
+          </a:p>
+          <a:p>
+            <a:r>
+              <a:rPr lang="en-US" sz="1400" dirty="0" smtClean="0"/>
+              <a:t>Hannover, Germany, from 1</a:t>
+            </a:r>
+            <a:r>
+              <a:rPr lang="en-US" sz="1400" baseline="30000" dirty="0" smtClean="0"/>
+              <a:t>st</a:t>
+            </a:r>
+            <a:r>
+              <a:rPr lang="en-US" sz="1400" dirty="0" smtClean="0"/>
+              <a:t> June 2016</a:t>
             </a:r>
           </a:p>
           <a:p>
@@ -3453,74 +3852,98 @@
           </a:p>
           <a:p>
             <a:r>
-              <a:rPr lang="en-US" b="1" dirty="0" smtClean="0"/>
-              <a:t>Power supply </a:t>
-            </a:r>
-            <a:r>
-              <a:rPr lang="en-US" dirty="0" smtClean="0"/>
-              <a:t>…………………………………………  $3</a:t>
-            </a:r>
-          </a:p>
-          <a:p>
+              <a:rPr lang="en-US" sz="1600" b="1" dirty="0"/>
+              <a:t>Shipping </a:t>
+            </a:r>
+            <a:r>
+              <a:rPr lang="en-US" sz="1600" b="1" dirty="0" smtClean="0"/>
+              <a:t>(2 day from US</a:t>
+            </a:r>
+            <a:r>
+              <a:rPr lang="en-US" sz="1600" b="1" dirty="0"/>
+              <a:t>) </a:t>
+            </a:r>
             <a:r>
               <a:rPr lang="en-US" sz="1600" dirty="0" smtClean="0"/>
-              <a:t>Powers CHIP and Salsa from 7V to 28V DC</a:t>
-            </a:r>
-          </a:p>
-          <a:p>
-            <a:endParaRPr lang="en-US" dirty="0" smtClean="0"/>
-          </a:p>
-          <a:p>
-            <a:r>
-              <a:rPr lang="en-US" b="1" dirty="0" smtClean="0"/>
-              <a:t>Pick up </a:t>
-            </a:r>
-            <a:r>
-              <a:rPr lang="en-US" dirty="0" smtClean="0"/>
-              <a:t>……….………………………………….………. $0</a:t>
-            </a:r>
-          </a:p>
-          <a:p>
+              <a:t>………..…………. </a:t>
+            </a:r>
+            <a:r>
+              <a:rPr lang="en-US" sz="1600" dirty="0"/>
+              <a:t>$7</a:t>
+            </a:r>
+          </a:p>
+          <a:p>
+            <a:r>
+              <a:rPr lang="en-US" sz="1400" dirty="0"/>
+              <a:t>Until 1</a:t>
+            </a:r>
+            <a:r>
+              <a:rPr lang="en-US" sz="1400" baseline="30000" dirty="0"/>
+              <a:t>st</a:t>
+            </a:r>
+            <a:r>
+              <a:rPr lang="en-US" sz="1400" dirty="0"/>
+              <a:t> May </a:t>
+            </a:r>
+            <a:r>
+              <a:rPr lang="en-US" sz="1400" dirty="0" smtClean="0"/>
+              <a:t>2016</a:t>
+            </a:r>
+          </a:p>
+          <a:p>
+            <a:endParaRPr lang="en-US" sz="1400" dirty="0"/>
+          </a:p>
+          <a:p>
+            <a:r>
+              <a:rPr lang="en-US" sz="1600" b="1" dirty="0"/>
+              <a:t>Shipping (2 </a:t>
+            </a:r>
+            <a:r>
+              <a:rPr lang="en-US" sz="1600" b="1" dirty="0" smtClean="0"/>
+              <a:t>wks. </a:t>
+            </a:r>
+            <a:r>
+              <a:rPr lang="en-US" sz="1600" b="1" dirty="0"/>
+              <a:t>from </a:t>
+            </a:r>
+            <a:r>
+              <a:rPr lang="en-US" sz="1600" b="1" dirty="0" smtClean="0"/>
+              <a:t>Germany) </a:t>
+            </a:r>
             <a:r>
               <a:rPr lang="en-US" sz="1600" dirty="0" smtClean="0"/>
-              <a:t>Houston, Tx until 1</a:t>
-            </a:r>
-            <a:r>
-              <a:rPr lang="en-US" sz="1600" baseline="30000" dirty="0" smtClean="0"/>
+              <a:t>………... $5</a:t>
+            </a:r>
+            <a:endParaRPr lang="en-US" sz="1600" dirty="0"/>
+          </a:p>
+          <a:p>
+            <a:r>
+              <a:rPr lang="en-US" sz="1400" dirty="0" smtClean="0"/>
+              <a:t>From </a:t>
+            </a:r>
+            <a:r>
+              <a:rPr lang="en-US" sz="1400" dirty="0"/>
+              <a:t>1</a:t>
+            </a:r>
+            <a:r>
+              <a:rPr lang="en-US" sz="1400" baseline="30000" dirty="0"/>
               <a:t>st</a:t>
             </a:r>
             <a:r>
-              <a:rPr lang="en-US" sz="1600" dirty="0" smtClean="0"/>
-              <a:t> May 2016</a:t>
-            </a:r>
-          </a:p>
-          <a:p>
-            <a:endParaRPr lang="en-US" dirty="0" smtClean="0"/>
-          </a:p>
-          <a:p>
-            <a:r>
-              <a:rPr lang="en-US" b="1" dirty="0" smtClean="0"/>
-              <a:t>Shipping (US) </a:t>
-            </a:r>
-            <a:r>
-              <a:rPr lang="en-US" dirty="0" smtClean="0"/>
-              <a:t>…………………………………………. $7</a:t>
-            </a:r>
-          </a:p>
-          <a:p>
-            <a:r>
-              <a:rPr lang="en-US" sz="1600" dirty="0" smtClean="0"/>
-              <a:t>Until 1</a:t>
-            </a:r>
-            <a:r>
-              <a:rPr lang="en-US" sz="1600" baseline="30000" dirty="0" smtClean="0"/>
-              <a:t>st</a:t>
-            </a:r>
-            <a:r>
-              <a:rPr lang="en-US" sz="1600" dirty="0" smtClean="0"/>
-              <a:t> May 2016</a:t>
-            </a:r>
-            <a:endParaRPr lang="en-US" sz="1600" dirty="0"/>
+              <a:rPr lang="en-US" sz="1400" dirty="0"/>
+              <a:t> </a:t>
+            </a:r>
+            <a:r>
+              <a:rPr lang="en-US" sz="1400" dirty="0" smtClean="0"/>
+              <a:t>June </a:t>
+            </a:r>
+            <a:r>
+              <a:rPr lang="en-US" sz="1400" dirty="0"/>
+              <a:t>2016</a:t>
+            </a:r>
+          </a:p>
+          <a:p>
+            <a:endParaRPr lang="en-US" sz="1400" dirty="0"/>
           </a:p>
         </p:txBody>
       </p:sp>
